--- a/의전 통합 시스템 프로젝트 주간업무_20221212.pptx
+++ b/의전 통합 시스템 프로젝트 주간업무_20221212.pptx
@@ -198,7 +198,7 @@
           <a:p>
             <a:fld id="{30E83DF6-95D2-472C-ADC8-D99406B5D708}" type="datetimeFigureOut">
               <a:rPr lang="ko-KR" altLang="en-US" smtClean="0"/>
-              <a:t>2022-12-12</a:t>
+              <a:t>2022-12-15</a:t>
             </a:fld>
             <a:endParaRPr lang="ko-KR" altLang="en-US"/>
           </a:p>
@@ -765,7 +765,7 @@
           <a:p>
             <a:fld id="{3D9A6416-2C70-4D2F-8935-73C1A95B15F4}" type="datetimeFigureOut">
               <a:rPr lang="ko-KR" altLang="en-US" smtClean="0"/>
-              <a:t>2022-12-12</a:t>
+              <a:t>2022-12-15</a:t>
             </a:fld>
             <a:endParaRPr lang="ko-KR" altLang="en-US"/>
           </a:p>
@@ -935,7 +935,7 @@
           <a:p>
             <a:fld id="{3D9A6416-2C70-4D2F-8935-73C1A95B15F4}" type="datetimeFigureOut">
               <a:rPr lang="ko-KR" altLang="en-US" smtClean="0"/>
-              <a:t>2022-12-12</a:t>
+              <a:t>2022-12-15</a:t>
             </a:fld>
             <a:endParaRPr lang="ko-KR" altLang="en-US"/>
           </a:p>
@@ -1115,7 +1115,7 @@
           <a:p>
             <a:fld id="{3D9A6416-2C70-4D2F-8935-73C1A95B15F4}" type="datetimeFigureOut">
               <a:rPr lang="ko-KR" altLang="en-US" smtClean="0"/>
-              <a:t>2022-12-12</a:t>
+              <a:t>2022-12-15</a:t>
             </a:fld>
             <a:endParaRPr lang="ko-KR" altLang="en-US"/>
           </a:p>
@@ -1285,7 +1285,7 @@
           <a:p>
             <a:fld id="{3D9A6416-2C70-4D2F-8935-73C1A95B15F4}" type="datetimeFigureOut">
               <a:rPr lang="ko-KR" altLang="en-US" smtClean="0"/>
-              <a:t>2022-12-12</a:t>
+              <a:t>2022-12-15</a:t>
             </a:fld>
             <a:endParaRPr lang="ko-KR" altLang="en-US"/>
           </a:p>
@@ -1531,7 +1531,7 @@
           <a:p>
             <a:fld id="{3D9A6416-2C70-4D2F-8935-73C1A95B15F4}" type="datetimeFigureOut">
               <a:rPr lang="ko-KR" altLang="en-US" smtClean="0"/>
-              <a:t>2022-12-12</a:t>
+              <a:t>2022-12-15</a:t>
             </a:fld>
             <a:endParaRPr lang="ko-KR" altLang="en-US"/>
           </a:p>
@@ -1763,7 +1763,7 @@
           <a:p>
             <a:fld id="{3D9A6416-2C70-4D2F-8935-73C1A95B15F4}" type="datetimeFigureOut">
               <a:rPr lang="ko-KR" altLang="en-US" smtClean="0"/>
-              <a:t>2022-12-12</a:t>
+              <a:t>2022-12-15</a:t>
             </a:fld>
             <a:endParaRPr lang="ko-KR" altLang="en-US"/>
           </a:p>
@@ -2130,7 +2130,7 @@
           <a:p>
             <a:fld id="{3D9A6416-2C70-4D2F-8935-73C1A95B15F4}" type="datetimeFigureOut">
               <a:rPr lang="ko-KR" altLang="en-US" smtClean="0"/>
-              <a:t>2022-12-12</a:t>
+              <a:t>2022-12-15</a:t>
             </a:fld>
             <a:endParaRPr lang="ko-KR" altLang="en-US"/>
           </a:p>
@@ -2248,7 +2248,7 @@
           <a:p>
             <a:fld id="{3D9A6416-2C70-4D2F-8935-73C1A95B15F4}" type="datetimeFigureOut">
               <a:rPr lang="ko-KR" altLang="en-US" smtClean="0"/>
-              <a:t>2022-12-12</a:t>
+              <a:t>2022-12-15</a:t>
             </a:fld>
             <a:endParaRPr lang="ko-KR" altLang="en-US"/>
           </a:p>
@@ -2343,7 +2343,7 @@
           <a:p>
             <a:fld id="{3D9A6416-2C70-4D2F-8935-73C1A95B15F4}" type="datetimeFigureOut">
               <a:rPr lang="ko-KR" altLang="en-US" smtClean="0"/>
-              <a:t>2022-12-12</a:t>
+              <a:t>2022-12-15</a:t>
             </a:fld>
             <a:endParaRPr lang="ko-KR" altLang="en-US"/>
           </a:p>
@@ -2620,7 +2620,7 @@
           <a:p>
             <a:fld id="{3D9A6416-2C70-4D2F-8935-73C1A95B15F4}" type="datetimeFigureOut">
               <a:rPr lang="ko-KR" altLang="en-US" smtClean="0"/>
-              <a:t>2022-12-12</a:t>
+              <a:t>2022-12-15</a:t>
             </a:fld>
             <a:endParaRPr lang="ko-KR" altLang="en-US"/>
           </a:p>
@@ -2873,7 +2873,7 @@
           <a:p>
             <a:fld id="{3D9A6416-2C70-4D2F-8935-73C1A95B15F4}" type="datetimeFigureOut">
               <a:rPr lang="ko-KR" altLang="en-US" smtClean="0"/>
-              <a:t>2022-12-12</a:t>
+              <a:t>2022-12-15</a:t>
             </a:fld>
             <a:endParaRPr lang="ko-KR" altLang="en-US"/>
           </a:p>
@@ -3086,7 +3086,7 @@
           <a:p>
             <a:fld id="{3D9A6416-2C70-4D2F-8935-73C1A95B15F4}" type="datetimeFigureOut">
               <a:rPr lang="ko-KR" altLang="en-US" smtClean="0"/>
-              <a:t>2022-12-12</a:t>
+              <a:t>2022-12-15</a:t>
             </a:fld>
             <a:endParaRPr lang="ko-KR" altLang="en-US"/>
           </a:p>
@@ -3968,7 +3968,19 @@
                 <a:cs typeface="Arial"/>
                 <a:sym typeface="Arial"/>
               </a:rPr>
-              <a:t>12/012)</a:t>
+              <a:t>12/12</a:t>
+            </a:r>
+            <a:r>
+              <a:rPr kumimoji="1" lang="en-US" altLang="ko-KR" b="1" dirty="0" smtClean="0">
+                <a:solidFill>
+                  <a:srgbClr val="000000"/>
+                </a:solidFill>
+                <a:latin typeface="맑은 고딕" pitchFamily="50" charset="-127"/>
+                <a:ea typeface="맑은 고딕" pitchFamily="50" charset="-127"/>
+                <a:cs typeface="Arial"/>
+                <a:sym typeface="Arial"/>
+              </a:rPr>
+              <a:t>)</a:t>
             </a:r>
             <a:endParaRPr kumimoji="1" lang="en-US" altLang="ko-KR" b="1" dirty="0">
               <a:solidFill>
@@ -3991,14 +4003,14 @@
           <p:nvPr>
             <p:extLst>
               <p:ext uri="{D42A27DB-BD31-4B8C-83A1-F6EECF244321}">
-                <p14:modId xmlns:p14="http://schemas.microsoft.com/office/powerpoint/2010/main" val="4271753539"/>
+                <p14:modId xmlns:p14="http://schemas.microsoft.com/office/powerpoint/2010/main" val="662183329"/>
               </p:ext>
             </p:extLst>
           </p:nvPr>
         </p:nvGraphicFramePr>
         <p:xfrm>
           <a:off x="1381125" y="849146"/>
-          <a:ext cx="9461047" cy="3333971"/>
+          <a:ext cx="9461047" cy="3528543"/>
         </p:xfrm>
         <a:graphic>
           <a:graphicData uri="http://schemas.openxmlformats.org/drawingml/2006/table">
@@ -4762,21 +4774,7 @@
                           <a:latin typeface="맑은 고딕" pitchFamily="50" charset="-127"/>
                           <a:ea typeface="맑은 고딕" pitchFamily="50" charset="-127"/>
                         </a:rPr>
-                        <a:t>(</a:t>
-                      </a:r>
-                      <a:r>
-                        <a:rPr kumimoji="1" lang="en-US" altLang="ko-KR" sz="1200" b="1" i="0" u="none" strike="noStrike" cap="none" spc="-100" normalizeH="0" baseline="0" dirty="0" smtClean="0">
-                          <a:ln>
-                            <a:noFill/>
-                          </a:ln>
-                          <a:solidFill>
-                            <a:schemeClr val="tx1"/>
-                          </a:solidFill>
-                          <a:effectLst/>
-                          <a:latin typeface="맑은 고딕" pitchFamily="50" charset="-127"/>
-                          <a:ea typeface="맑은 고딕" pitchFamily="50" charset="-127"/>
-                        </a:rPr>
-                        <a:t>12.16~12.22)</a:t>
+                        <a:t>(12.16~12.22)</a:t>
                       </a:r>
                       <a:endParaRPr kumimoji="1" lang="en-US" altLang="ko-KR" sz="1200" b="1" i="0" u="none" strike="noStrike" cap="none" spc="-100" normalizeH="0" baseline="0" dirty="0">
                         <a:ln>
@@ -4942,24 +4940,89 @@
                     <a:bodyPr/>
                     <a:lstStyle/>
                     <a:p>
-                      <a:pPr marL="228600" indent="-228600" latinLnBrk="1">
+                      <a:pPr marL="0" indent="0" latinLnBrk="1">
                         <a:lnSpc>
                           <a:spcPct val="150000"/>
                         </a:lnSpc>
                         <a:buFont typeface="+mj-lt"/>
-                        <a:buAutoNum type="arabicPeriod"/>
+                        <a:buNone/>
                       </a:pPr>
                       <a:r>
+                        <a:rPr lang="en-US" altLang="ko-KR" sz="1100" dirty="0" smtClean="0"/>
+                        <a:t>1. </a:t>
+                      </a:r>
+                      <a:r>
                         <a:rPr lang="ko-KR" altLang="en-US" sz="1100" dirty="0" smtClean="0"/>
-                        <a:t>개발 </a:t>
+                        <a:t>개발 시스템 구성 오픈 </a:t>
+                      </a:r>
+                      <a:r>
+                        <a:rPr lang="ko-KR" altLang="en-US" sz="1100" dirty="0" smtClean="0"/>
+                        <a:t>작업 완료 </a:t>
                       </a:r>
                       <a:r>
                         <a:rPr lang="en-US" altLang="ko-KR" sz="1100" dirty="0" smtClean="0"/>
-                        <a:t>WBS </a:t>
-                      </a:r>
-                      <a:r>
-                        <a:rPr lang="ko-KR" altLang="en-US" sz="1100" dirty="0" smtClean="0"/>
-                        <a:t>작성</a:t>
+                        <a:t>(WEB, WAS</a:t>
+                      </a:r>
+                      <a:r>
+                        <a:rPr lang="en-US" altLang="ko-KR" sz="1100" baseline="0" dirty="0" smtClean="0"/>
+                        <a:t> </a:t>
+                      </a:r>
+                      <a:r>
+                        <a:rPr lang="ko-KR" altLang="en-US" sz="1100" baseline="0" dirty="0" smtClean="0"/>
+                        <a:t>서버</a:t>
+                      </a:r>
+                      <a:r>
+                        <a:rPr lang="en-US" altLang="ko-KR" sz="1100" dirty="0" smtClean="0"/>
+                        <a:t>)</a:t>
+                      </a:r>
+                    </a:p>
+                    <a:p>
+                      <a:pPr marL="0" indent="0" latinLnBrk="1">
+                        <a:lnSpc>
+                          <a:spcPct val="150000"/>
+                        </a:lnSpc>
+                        <a:buFont typeface="+mj-lt"/>
+                        <a:buNone/>
+                      </a:pPr>
+                      <a:r>
+                        <a:rPr lang="en-US" altLang="ko-KR" sz="1100" dirty="0" smtClean="0"/>
+                        <a:t>   - Web (</a:t>
+                      </a:r>
+                      <a:r>
+                        <a:rPr lang="en-US" altLang="ko-KR" sz="1100" b="0" i="0" kern="1200" dirty="0" smtClean="0">
+                          <a:solidFill>
+                            <a:schemeClr val="tx1"/>
+                          </a:solidFill>
+                          <a:effectLst/>
+                          <a:latin typeface="+mn-lt"/>
+                          <a:ea typeface="+mn-ea"/>
+                          <a:cs typeface="+mn-cs"/>
+                        </a:rPr>
+                        <a:t>14.52.21.240), Was (192.168.252.226) </a:t>
+                      </a:r>
+                      <a:r>
+                        <a:rPr lang="ko-KR" altLang="en-US" sz="1100" b="0" i="0" kern="1200" dirty="0" smtClean="0">
+                          <a:solidFill>
+                            <a:schemeClr val="tx1"/>
+                          </a:solidFill>
+                          <a:effectLst/>
+                          <a:latin typeface="+mn-lt"/>
+                          <a:ea typeface="+mn-ea"/>
+                          <a:cs typeface="+mn-cs"/>
+                        </a:rPr>
+                        <a:t>오픈</a:t>
+                      </a:r>
+                      <a:r>
+                        <a:rPr lang="en-US" altLang="ko-KR" sz="1100" b="0" i="0" kern="1200" dirty="0" smtClean="0">
+                          <a:solidFill>
+                            <a:schemeClr val="tx1"/>
+                          </a:solidFill>
+                          <a:effectLst/>
+                          <a:latin typeface="+mn-lt"/>
+                          <a:ea typeface="+mn-ea"/>
+                          <a:cs typeface="+mn-cs"/>
+                        </a:rPr>
+                        <a:t>.</a:t>
                       </a:r>
                       <a:endParaRPr lang="en-US" altLang="ko-KR" sz="1100" dirty="0" smtClean="0"/>
                     </a:p>
@@ -4973,19 +5036,106 @@
                       </a:pPr>
                       <a:r>
                         <a:rPr lang="en-US" altLang="ko-KR" sz="1100" dirty="0" smtClean="0"/>
-                        <a:t>    - </a:t>
+                        <a:t>   - </a:t>
+                      </a:r>
+                      <a:r>
+                        <a:rPr lang="en-US" altLang="ko-KR" sz="1100" dirty="0" err="1" smtClean="0"/>
+                        <a:t>DataBase</a:t>
                       </a:r>
                       <a:r>
                         <a:rPr lang="ko-KR" altLang="en-US" sz="1100" dirty="0" smtClean="0"/>
-                        <a:t>개발 </a:t>
+                        <a:t>는 </a:t>
+                      </a:r>
+                      <a:r>
+                        <a:rPr lang="ko-KR" altLang="en-US" sz="1100" dirty="0" smtClean="0"/>
+                        <a:t>초기에 구성 한 서버 사용하기로 함</a:t>
                       </a:r>
                       <a:r>
                         <a:rPr lang="en-US" altLang="ko-KR" sz="1100" dirty="0" smtClean="0"/>
-                        <a:t>WBS </a:t>
+                        <a:t>.</a:t>
+                      </a:r>
+                    </a:p>
+                    <a:p>
+                      <a:pPr marL="0" indent="0" latinLnBrk="1">
+                        <a:lnSpc>
+                          <a:spcPct val="150000"/>
+                        </a:lnSpc>
+                        <a:buFont typeface="+mj-lt"/>
+                        <a:buNone/>
+                      </a:pPr>
+                      <a:r>
+                        <a:rPr lang="en-US" altLang="ko-KR" sz="1100" dirty="0" smtClean="0"/>
+                        <a:t>   </a:t>
+                      </a:r>
+                      <a:r>
+                        <a:rPr lang="en-US" altLang="ko-KR" sz="1100" dirty="0" smtClean="0"/>
+                        <a:t>- </a:t>
+                      </a:r>
+                      <a:r>
+                        <a:rPr lang="en-US" altLang="ko-KR" sz="1100" dirty="0" err="1" smtClean="0"/>
+                        <a:t>DataBase</a:t>
+                      </a:r>
+                      <a:r>
+                        <a:rPr lang="en-US" altLang="ko-KR" sz="1100" baseline="0" dirty="0" smtClean="0"/>
+                        <a:t> </a:t>
+                      </a:r>
+                      <a:r>
+                        <a:rPr lang="ko-KR" altLang="en-US" sz="1100" baseline="0" dirty="0" smtClean="0"/>
+                        <a:t>방화벽 접근 허용 </a:t>
+                      </a:r>
+                      <a:r>
+                        <a:rPr lang="en-US" altLang="ko-KR" sz="1100" baseline="0" dirty="0" smtClean="0"/>
+                        <a:t>(</a:t>
+                      </a:r>
+                      <a:r>
+                        <a:rPr lang="en-US" altLang="ko-KR" sz="1100" b="0" i="0" kern="1200" dirty="0" smtClean="0">
+                          <a:solidFill>
+                            <a:schemeClr val="tx1"/>
+                          </a:solidFill>
+                          <a:effectLst/>
+                          <a:latin typeface="+mn-lt"/>
+                          <a:ea typeface="+mn-ea"/>
+                          <a:cs typeface="+mn-cs"/>
+                        </a:rPr>
+                        <a:t>59.6.20.152, </a:t>
+                      </a:r>
+                      <a:r>
+                        <a:rPr lang="en-US" altLang="ko-KR" sz="1050" b="0" i="0" kern="1200" dirty="0" smtClean="0">
+                          <a:solidFill>
+                            <a:schemeClr val="tx1"/>
+                          </a:solidFill>
+                          <a:effectLst/>
+                          <a:latin typeface="+mn-lt"/>
+                          <a:ea typeface="+mn-ea"/>
+                          <a:cs typeface="+mn-cs"/>
+                        </a:rPr>
+                        <a:t>121.162.87.54)</a:t>
+                      </a:r>
+                      <a:endParaRPr lang="en-US" altLang="ko-KR" sz="1050" dirty="0" smtClean="0"/>
+                    </a:p>
+                    <a:p>
+                      <a:pPr marL="0" indent="0" latinLnBrk="1">
+                        <a:lnSpc>
+                          <a:spcPct val="150000"/>
+                        </a:lnSpc>
+                        <a:buFont typeface="+mj-lt"/>
+                        <a:buNone/>
+                      </a:pPr>
+                      <a:r>
+                        <a:rPr lang="en-US" altLang="ko-KR" sz="1100" dirty="0" smtClean="0"/>
+                        <a:t>2. </a:t>
                       </a:r>
                       <a:r>
                         <a:rPr lang="ko-KR" altLang="en-US" sz="1100" dirty="0" smtClean="0"/>
-                        <a:t>작성 완료 예정</a:t>
+                        <a:t>통합시스템 디자인 </a:t>
+                      </a:r>
+                      <a:r>
+                        <a:rPr lang="ko-KR" altLang="en-US" sz="1100" dirty="0" smtClean="0"/>
+                        <a:t>작업 </a:t>
+                      </a:r>
+                      <a:r>
+                        <a:rPr lang="ko-KR" altLang="en-US" sz="1100" dirty="0" smtClean="0"/>
+                        <a:t>진행</a:t>
                       </a:r>
                       <a:endParaRPr lang="en-US" altLang="ko-KR" sz="1100" dirty="0" smtClean="0"/>
                     </a:p>
@@ -4999,27 +5149,63 @@
                       </a:pPr>
                       <a:r>
                         <a:rPr lang="en-US" altLang="ko-KR" sz="1100" dirty="0" smtClean="0"/>
-                        <a:t>2. </a:t>
+                        <a:t>    - </a:t>
+                      </a:r>
+                      <a:r>
+                        <a:rPr lang="en-US" altLang="ko-KR" sz="1100" dirty="0" smtClean="0"/>
+                        <a:t>12</a:t>
                       </a:r>
                       <a:r>
                         <a:rPr lang="ko-KR" altLang="en-US" sz="1100" dirty="0" smtClean="0"/>
-                        <a:t>개발 시스템 구성 오픈 작업 </a:t>
-                      </a:r>
-                      <a:r>
-                        <a:rPr lang="en-US" altLang="ko-KR" sz="1100" dirty="0" smtClean="0"/>
-                        <a:t>(WEB, WAS</a:t>
+                        <a:t>일</a:t>
+                      </a:r>
+                      <a:r>
+                        <a:rPr lang="en-US" altLang="ko-KR" sz="1100" baseline="0" dirty="0" smtClean="0"/>
+                        <a:t>(</a:t>
+                      </a:r>
+                      <a:r>
+                        <a:rPr lang="ko-KR" altLang="en-US" sz="1100" baseline="0" dirty="0" smtClean="0"/>
+                        <a:t>월</a:t>
+                      </a:r>
+                      <a:r>
+                        <a:rPr lang="en-US" altLang="ko-KR" sz="1100" baseline="0" dirty="0" smtClean="0"/>
+                        <a:t>) </a:t>
+                      </a:r>
+                      <a:r>
+                        <a:rPr lang="ko-KR" altLang="en-US" sz="1100" baseline="0" dirty="0" smtClean="0"/>
+                        <a:t>시안</a:t>
                       </a:r>
                       <a:r>
                         <a:rPr lang="en-US" altLang="ko-KR" sz="1100" baseline="0" dirty="0" smtClean="0"/>
                         <a:t> </a:t>
                       </a:r>
                       <a:r>
-                        <a:rPr lang="ko-KR" altLang="en-US" sz="1100" baseline="0" dirty="0" smtClean="0"/>
-                        <a:t>서버</a:t>
+                        <a:rPr lang="ko-KR" altLang="en-US" sz="1100" dirty="0" err="1" smtClean="0"/>
+                        <a:t>컨펌</a:t>
+                      </a:r>
+                      <a:r>
+                        <a:rPr lang="ko-KR" altLang="en-US" sz="1100" dirty="0" smtClean="0"/>
+                        <a:t> </a:t>
+                      </a:r>
+                      <a:r>
+                        <a:rPr lang="en-US" altLang="ko-KR" sz="1100" dirty="0" smtClean="0"/>
+                        <a:t>(</a:t>
+                      </a:r>
+                      <a:r>
+                        <a:rPr lang="ko-KR" altLang="en-US" sz="1100" dirty="0" err="1" smtClean="0"/>
+                        <a:t>아이티엘</a:t>
                       </a:r>
                       <a:r>
                         <a:rPr lang="en-US" altLang="ko-KR" sz="1100" dirty="0" smtClean="0"/>
                         <a:t>)</a:t>
+                      </a:r>
+                      <a:r>
+                        <a:rPr lang="ko-KR" altLang="en-US" sz="1100" dirty="0" smtClean="0"/>
+                        <a:t> 확인 및 진행</a:t>
+                      </a:r>
+                      <a:r>
+                        <a:rPr lang="en-US" altLang="ko-KR" sz="1100" dirty="0" smtClean="0"/>
+                        <a:t>.</a:t>
                       </a:r>
                     </a:p>
                     <a:p>
@@ -5032,19 +5218,47 @@
                       </a:pPr>
                       <a:r>
                         <a:rPr lang="en-US" altLang="ko-KR" sz="1100" dirty="0" smtClean="0"/>
-                        <a:t>   - </a:t>
-                      </a:r>
-                      <a:r>
-                        <a:rPr lang="en-US" altLang="ko-KR" sz="1100" dirty="0" err="1" smtClean="0"/>
-                        <a:t>DaTabase</a:t>
+                        <a:t>    - 15</a:t>
                       </a:r>
                       <a:r>
                         <a:rPr lang="ko-KR" altLang="en-US" sz="1100" dirty="0" smtClean="0"/>
-                        <a:t>는 초기에 구성 한 서버 사용하기로 함</a:t>
+                        <a:t>일</a:t>
                       </a:r>
                       <a:r>
                         <a:rPr lang="en-US" altLang="ko-KR" sz="1100" dirty="0" smtClean="0"/>
-                        <a:t>.</a:t>
+                        <a:t>(</a:t>
+                      </a:r>
+                      <a:r>
+                        <a:rPr lang="ko-KR" altLang="en-US" sz="1100" dirty="0" smtClean="0"/>
+                        <a:t>목</a:t>
+                      </a:r>
+                      <a:r>
+                        <a:rPr lang="en-US" altLang="ko-KR" sz="1100" dirty="0" smtClean="0"/>
+                        <a:t>) </a:t>
+                      </a:r>
+                      <a:r>
+                        <a:rPr lang="ko-KR" altLang="en-US" sz="1100" dirty="0" smtClean="0"/>
+                        <a:t>메뉴 </a:t>
+                      </a:r>
+                      <a:r>
+                        <a:rPr lang="ko-KR" altLang="en-US" sz="1100" dirty="0" err="1" smtClean="0"/>
+                        <a:t>본페이지</a:t>
+                      </a:r>
+                      <a:r>
+                        <a:rPr lang="ko-KR" altLang="en-US" sz="1100" dirty="0" smtClean="0"/>
+                        <a:t> 색상 지정 </a:t>
+                      </a:r>
+                      <a:r>
+                        <a:rPr lang="en-US" altLang="ko-KR" sz="1100" dirty="0" smtClean="0"/>
+                        <a:t>(</a:t>
+                      </a:r>
+                      <a:r>
+                        <a:rPr lang="ko-KR" altLang="en-US" sz="1100" dirty="0" smtClean="0"/>
+                        <a:t>남색 배경에 흰색 글씨</a:t>
+                      </a:r>
+                      <a:r>
+                        <a:rPr lang="en-US" altLang="ko-KR" sz="1100" dirty="0" smtClean="0"/>
+                        <a:t>) </a:t>
                       </a:r>
                     </a:p>
                     <a:p>
@@ -5057,87 +5271,7 @@
                       </a:pPr>
                       <a:r>
                         <a:rPr lang="en-US" altLang="ko-KR" sz="1100" dirty="0" smtClean="0"/>
-                        <a:t>   -</a:t>
-                      </a:r>
-                      <a:r>
-                        <a:rPr lang="en-US" altLang="ko-KR" sz="1100" baseline="0" dirty="0" smtClean="0"/>
-                        <a:t> </a:t>
-                      </a:r>
-                      <a:r>
-                        <a:rPr lang="ko-KR" altLang="en-US" sz="1100" baseline="0" dirty="0" smtClean="0"/>
-                        <a:t>방화벽 접근 허용 </a:t>
-                      </a:r>
-                      <a:r>
-                        <a:rPr lang="en-US" altLang="ko-KR" sz="1100" baseline="0" dirty="0" smtClean="0"/>
-                        <a:t>(</a:t>
-                      </a:r>
-                      <a:r>
-                        <a:rPr lang="en-US" altLang="ko-KR" sz="1100" b="0" i="0" kern="1200" dirty="0" smtClean="0">
-                          <a:solidFill>
-                            <a:schemeClr val="tx1"/>
-                          </a:solidFill>
-                          <a:effectLst/>
-                          <a:latin typeface="+mn-lt"/>
-                          <a:ea typeface="+mn-ea"/>
-                          <a:cs typeface="+mn-cs"/>
-                        </a:rPr>
-                        <a:t>59.6.20.152, </a:t>
-                      </a:r>
-                      <a:r>
-                        <a:rPr lang="en-US" altLang="ko-KR" sz="1050" b="0" i="0" kern="1200" dirty="0" smtClean="0">
-                          <a:solidFill>
-                            <a:schemeClr val="tx1"/>
-                          </a:solidFill>
-                          <a:effectLst/>
-                          <a:latin typeface="+mn-lt"/>
-                          <a:ea typeface="+mn-ea"/>
-                          <a:cs typeface="+mn-cs"/>
-                        </a:rPr>
-                        <a:t>121.162.87.54)</a:t>
-                      </a:r>
-                      <a:endParaRPr lang="en-US" altLang="ko-KR" sz="1050" dirty="0" smtClean="0"/>
-                    </a:p>
-                    <a:p>
-                      <a:pPr marL="0" indent="0" latinLnBrk="1">
-                        <a:lnSpc>
-                          <a:spcPct val="150000"/>
-                        </a:lnSpc>
-                        <a:buFont typeface="+mj-lt"/>
-                        <a:buNone/>
-                      </a:pPr>
-                      <a:r>
-                        <a:rPr lang="en-US" altLang="ko-KR" sz="1100" dirty="0" smtClean="0"/>
-                        <a:t>3. </a:t>
-                      </a:r>
-                      <a:r>
-                        <a:rPr lang="ko-KR" altLang="en-US" sz="1100" dirty="0" smtClean="0"/>
-                        <a:t>통합시스템 디자인 보완 및 수정 작업 진행</a:t>
-                      </a:r>
-                      <a:endParaRPr lang="en-US" altLang="ko-KR" sz="1100" dirty="0" smtClean="0"/>
-                    </a:p>
-                    <a:p>
-                      <a:pPr marL="0" indent="0" latinLnBrk="1">
-                        <a:lnSpc>
-                          <a:spcPct val="150000"/>
-                        </a:lnSpc>
-                        <a:buFont typeface="+mj-lt"/>
-                        <a:buNone/>
-                      </a:pPr>
-                      <a:r>
-                        <a:rPr lang="en-US" altLang="ko-KR" sz="1100" dirty="0" smtClean="0"/>
-                        <a:t>    - </a:t>
-                      </a:r>
-                      <a:r>
-                        <a:rPr lang="ko-KR" altLang="en-US" sz="1100" dirty="0" smtClean="0"/>
-                        <a:t>이번주 화요일 수정 및 보안 오후까지 </a:t>
-                      </a:r>
-                      <a:r>
-                        <a:rPr lang="ko-KR" altLang="en-US" sz="1100" dirty="0" err="1" smtClean="0"/>
-                        <a:t>컨펌</a:t>
-                      </a:r>
-                      <a:r>
-                        <a:rPr lang="ko-KR" altLang="en-US" sz="1100" dirty="0" smtClean="0"/>
-                        <a:t> 예정</a:t>
+                        <a:t>    </a:t>
                       </a:r>
                       <a:endParaRPr lang="ko-KR" altLang="en-US" sz="1100" dirty="0"/>
                     </a:p>
@@ -5211,9 +5345,12 @@
                       </a:pPr>
                       <a:r>
                         <a:rPr lang="en-US" altLang="ko-KR" sz="1100" dirty="0" smtClean="0"/>
-                        <a:t>60%</a:t>
-                      </a:r>
-                      <a:endParaRPr lang="en-US" altLang="ko-KR" sz="1100" dirty="0" smtClean="0"/>
+                        <a:t>100</a:t>
+                      </a:r>
+                      <a:r>
+                        <a:rPr lang="en-US" altLang="ko-KR" sz="1100" dirty="0" smtClean="0"/>
+                        <a:t>%</a:t>
+                      </a:r>
                     </a:p>
                     <a:p>
                       <a:pPr algn="ctr" latinLnBrk="1">
@@ -5223,18 +5360,7 @@
                       </a:pPr>
                       <a:r>
                         <a:rPr lang="en-US" altLang="ko-KR" sz="1100" dirty="0" smtClean="0"/>
-                        <a:t>40%</a:t>
-                      </a:r>
-                    </a:p>
-                    <a:p>
-                      <a:pPr algn="ctr" latinLnBrk="1">
-                        <a:lnSpc>
-                          <a:spcPct val="150000"/>
-                        </a:lnSpc>
-                      </a:pPr>
-                      <a:r>
-                        <a:rPr lang="en-US" altLang="ko-KR" sz="1100" dirty="0" smtClean="0"/>
-                        <a:t>0%</a:t>
+                        <a:t>100%</a:t>
                       </a:r>
                       <a:endParaRPr lang="en-US" altLang="ko-KR" sz="1100" dirty="0" smtClean="0"/>
                     </a:p>
@@ -5301,57 +5427,24 @@
                     <a:bodyPr/>
                     <a:lstStyle/>
                     <a:p>
-                      <a:pPr marL="0" indent="0" latinLnBrk="1">
+                      <a:pPr marL="228600" indent="-228600" latinLnBrk="1">
                         <a:lnSpc>
                           <a:spcPct val="150000"/>
                         </a:lnSpc>
                         <a:buFont typeface="+mj-lt"/>
-                        <a:buNone/>
+                        <a:buAutoNum type="arabicPeriod"/>
                       </a:pPr>
                       <a:r>
-                        <a:rPr lang="en-US" altLang="ko-KR" sz="1100" dirty="0" smtClean="0"/>
-                        <a:t>1. </a:t>
-                      </a:r>
-                      <a:r>
                         <a:rPr lang="ko-KR" altLang="en-US" sz="1100" dirty="0" smtClean="0"/>
-                        <a:t>개발 시스템 구성 오픈 작업 </a:t>
-                      </a:r>
-                      <a:r>
-                        <a:rPr lang="en-US" altLang="ko-KR" sz="1100" dirty="0" smtClean="0"/>
-                        <a:t>(WEB, WAS</a:t>
-                      </a:r>
-                      <a:r>
-                        <a:rPr lang="en-US" altLang="ko-KR" sz="1100" baseline="0" dirty="0" smtClean="0"/>
-                        <a:t> </a:t>
-                      </a:r>
-                      <a:r>
-                        <a:rPr lang="ko-KR" altLang="en-US" sz="1100" baseline="0" dirty="0" smtClean="0"/>
-                        <a:t>서버</a:t>
-                      </a:r>
-                      <a:r>
-                        <a:rPr lang="en-US" altLang="ko-KR" sz="1100" dirty="0" smtClean="0"/>
-                        <a:t>)</a:t>
-                      </a:r>
-                    </a:p>
-                    <a:p>
-                      <a:pPr marL="0" indent="0" latinLnBrk="1">
-                        <a:lnSpc>
-                          <a:spcPct val="150000"/>
-                        </a:lnSpc>
-                        <a:buFont typeface="+mj-lt"/>
-                        <a:buNone/>
-                      </a:pPr>
-                      <a:r>
-                        <a:rPr lang="en-US" altLang="ko-KR" sz="1100" dirty="0" smtClean="0"/>
-                        <a:t>   - </a:t>
+                        <a:t>통합시스템 </a:t>
                       </a:r>
                       <a:r>
                         <a:rPr lang="ko-KR" altLang="en-US" sz="1100" dirty="0" smtClean="0"/>
-                        <a:t>개발 시스템 인프라 오픈 예정</a:t>
-                      </a:r>
-                      <a:r>
-                        <a:rPr lang="en-US" altLang="ko-KR" sz="1100" dirty="0" smtClean="0"/>
-                        <a:t>.</a:t>
+                        <a:t>디자인 </a:t>
+                      </a:r>
+                      <a:r>
+                        <a:rPr lang="ko-KR" altLang="en-US" sz="1100" dirty="0" smtClean="0"/>
+                        <a:t>작업 진행 체크 </a:t>
                       </a:r>
                       <a:endParaRPr lang="en-US" altLang="ko-KR" sz="1100" dirty="0" smtClean="0"/>
                     </a:p>
@@ -5365,13 +5458,79 @@
                       </a:pPr>
                       <a:r>
                         <a:rPr lang="en-US" altLang="ko-KR" sz="1100" dirty="0" smtClean="0"/>
-                        <a:t>2. </a:t>
+                        <a:t> - </a:t>
                       </a:r>
                       <a:r>
                         <a:rPr lang="ko-KR" altLang="en-US" sz="1100" dirty="0" smtClean="0"/>
-                        <a:t>통합시스템 디자인 보완 및 수정 작업 진행</a:t>
-                      </a:r>
-                      <a:endParaRPr lang="ko-KR" altLang="en-US" sz="1100" dirty="0"/>
+                        <a:t>세부 내용 및</a:t>
+                      </a:r>
+                      <a:r>
+                        <a:rPr lang="ko-KR" altLang="en-US" sz="1100" baseline="0" dirty="0" smtClean="0"/>
+                        <a:t> 작업 </a:t>
+                      </a:r>
+                      <a:r>
+                        <a:rPr lang="en-US" altLang="ko-KR" sz="1100" baseline="0" dirty="0" err="1" smtClean="0"/>
+                        <a:t>RnR</a:t>
+                      </a:r>
+                      <a:r>
+                        <a:rPr lang="en-US" altLang="ko-KR" sz="1100" baseline="0" dirty="0" smtClean="0"/>
+                        <a:t> (</a:t>
+                      </a:r>
+                      <a:r>
+                        <a:rPr lang="ko-KR" altLang="en-US" sz="1100" baseline="0" dirty="0" smtClean="0"/>
+                        <a:t>업체 </a:t>
+                      </a:r>
+                      <a:r>
+                        <a:rPr lang="en-US" altLang="ko-KR" sz="1100" baseline="0" dirty="0" smtClean="0"/>
+                        <a:t>with </a:t>
+                      </a:r>
+                      <a:r>
+                        <a:rPr lang="ko-KR" altLang="en-US" sz="1100" baseline="0" dirty="0" err="1" smtClean="0"/>
+                        <a:t>이규화대리</a:t>
+                      </a:r>
+                      <a:r>
+                        <a:rPr lang="en-US" altLang="ko-KR" sz="1100" baseline="0" dirty="0" smtClean="0"/>
+                        <a:t>) </a:t>
+                      </a:r>
+                      <a:r>
+                        <a:rPr lang="ko-KR" altLang="en-US" sz="1100" baseline="0" dirty="0" smtClean="0"/>
+                        <a:t>지정</a:t>
+                      </a:r>
+                      <a:endParaRPr lang="en-US" altLang="ko-KR" sz="1100" baseline="0" dirty="0" smtClean="0"/>
+                    </a:p>
+                    <a:p>
+                      <a:pPr marL="0" indent="0" latinLnBrk="1">
+                        <a:lnSpc>
+                          <a:spcPct val="150000"/>
+                        </a:lnSpc>
+                        <a:buFont typeface="+mj-lt"/>
+                        <a:buNone/>
+                      </a:pPr>
+                      <a:r>
+                        <a:rPr lang="en-US" altLang="ko-KR" sz="1100" baseline="0" dirty="0" smtClean="0"/>
+                        <a:t> - </a:t>
+                      </a:r>
+                      <a:r>
+                        <a:rPr lang="ko-KR" altLang="en-US" sz="1100" baseline="0" dirty="0" smtClean="0"/>
+                        <a:t>각 메뉴 메인 및 서브 페이지 작업 </a:t>
+                      </a:r>
+                      <a:r>
+                        <a:rPr lang="en-US" altLang="ko-KR" sz="1100" baseline="0" dirty="0" smtClean="0"/>
+                        <a:t>And </a:t>
+                      </a:r>
+                      <a:r>
+                        <a:rPr lang="ko-KR" altLang="en-US" sz="1100" baseline="0" dirty="0" err="1" smtClean="0"/>
+                        <a:t>컨펌</a:t>
+                      </a:r>
+                      <a:r>
+                        <a:rPr lang="en-US" altLang="ko-KR" sz="1100" baseline="0" dirty="0" smtClean="0"/>
+                        <a:t>.  </a:t>
+                      </a:r>
+                      <a:r>
+                        <a:rPr lang="ko-KR" altLang="en-US" sz="1100" baseline="0" dirty="0" smtClean="0"/>
+                        <a:t> </a:t>
+                      </a:r>
+                      <a:endParaRPr lang="en-US" altLang="ko-KR" sz="1100" baseline="0" dirty="0" smtClean="0"/>
                     </a:p>
                   </a:txBody>
                   <a:tcPr marL="72000" marR="72000" marT="72000" marB="72000" anchor="ctr" horzOverflow="overflow">
